--- a/intern_ppt_harsh.pptx
+++ b/intern_ppt_harsh.pptx
@@ -13511,6 +13511,13 @@
   <p:clrMapOvr>
     <a:masterClrMapping/>
   </p:clrMapOvr>
+  <p:timing>
+    <p:tnLst>
+      <p:par>
+        <p:cTn id="1" dur="indefinite" restart="never" nodeType="tmRoot"/>
+      </p:par>
+    </p:tnLst>
+  </p:timing>
 </p:sld>
 </file>
 
@@ -13647,6 +13654,13 @@
   <p:clrMapOvr>
     <a:masterClrMapping/>
   </p:clrMapOvr>
+  <p:timing>
+    <p:tnLst>
+      <p:par>
+        <p:cTn id="1" dur="indefinite" restart="never" nodeType="tmRoot"/>
+      </p:par>
+    </p:tnLst>
+  </p:timing>
 </p:sld>
 </file>
 
@@ -13917,6 +13931,13 @@
   <p:clrMapOvr>
     <a:masterClrMapping/>
   </p:clrMapOvr>
+  <p:timing>
+    <p:tnLst>
+      <p:par>
+        <p:cTn id="1" dur="indefinite" restart="never" nodeType="tmRoot"/>
+      </p:par>
+    </p:tnLst>
+  </p:timing>
 </p:sld>
 </file>
 
@@ -14068,6 +14089,13 @@
   <p:clrMapOvr>
     <a:masterClrMapping/>
   </p:clrMapOvr>
+  <p:timing>
+    <p:tnLst>
+      <p:par>
+        <p:cTn id="1" dur="indefinite" restart="never" nodeType="tmRoot"/>
+      </p:par>
+    </p:tnLst>
+  </p:timing>
 </p:sld>
 </file>
 
@@ -14128,9 +14156,76 @@
           <a:p>
             <a:r>
               <a:rPr lang="en-US" dirty="0" smtClean="0"/>
-              <a:t>Treats the problem as that of slot filling - </a:t>
-            </a:r>
-            <a:endParaRPr lang="en-US" dirty="0"/>
+              <a:t>Slot filling approach – relevant features from the NL query need to be identified which can then be used to populate the generic SQL query structure</a:t>
+            </a:r>
+          </a:p>
+          <a:p>
+            <a:r>
+              <a:rPr lang="en-US" dirty="0" smtClean="0"/>
+              <a:t>Current model uses the following generic SQL query structure:</a:t>
+            </a:r>
+          </a:p>
+          <a:p>
+            <a:pPr marL="457200" lvl="1" indent="0">
+              <a:buNone/>
+            </a:pPr>
+            <a:r>
+              <a:rPr lang="en-US" b="1" dirty="0" smtClean="0"/>
+              <a:t>SELECT</a:t>
+            </a:r>
+            <a:r>
+              <a:rPr lang="en-US" dirty="0" smtClean="0"/>
+              <a:t> &lt;$AGG&gt; &lt;$COLS&gt; </a:t>
+            </a:r>
+            <a:r>
+              <a:rPr lang="en-US" b="1" dirty="0" smtClean="0"/>
+              <a:t>WHERE</a:t>
+            </a:r>
+            <a:r>
+              <a:rPr lang="en-US" dirty="0" smtClean="0"/>
+              <a:t> &lt;$COLS&gt; &lt;$OP&gt; &lt;$VALUE&gt; </a:t>
+            </a:r>
+            <a:r>
+              <a:rPr lang="en-US" b="1" dirty="0" smtClean="0"/>
+              <a:t>GROUP</a:t>
+            </a:r>
+            <a:r>
+              <a:rPr lang="en-US" dirty="0" smtClean="0"/>
+              <a:t> </a:t>
+            </a:r>
+            <a:r>
+              <a:rPr lang="en-US" b="1" dirty="0" smtClean="0"/>
+              <a:t>BY</a:t>
+            </a:r>
+            <a:r>
+              <a:rPr lang="en-US" dirty="0" smtClean="0"/>
+              <a:t> &lt;$COLS&gt; </a:t>
+            </a:r>
+            <a:r>
+              <a:rPr lang="en-US" b="1" dirty="0" smtClean="0"/>
+              <a:t>ORDER BY</a:t>
+            </a:r>
+            <a:r>
+              <a:rPr lang="en-US" dirty="0" smtClean="0"/>
+              <a:t> &lt;$COLS&gt; </a:t>
+            </a:r>
+            <a:r>
+              <a:rPr lang="en-US" b="1" dirty="0" smtClean="0"/>
+              <a:t>LIMIT</a:t>
+            </a:r>
+            <a:r>
+              <a:rPr lang="en-US" dirty="0" smtClean="0"/>
+              <a:t> &lt;$VALUE&gt;</a:t>
+            </a:r>
+          </a:p>
+          <a:p>
+            <a:r>
+              <a:rPr lang="en-US" dirty="0" smtClean="0"/>
+              <a:t>Rule based approach taken to identify appropriate features from the NL query to fill each clause of the SQL query</a:t>
+            </a:r>
+          </a:p>
+          <a:p>
+            <a:endParaRPr lang="en-US" dirty="0" smtClean="0"/>
           </a:p>
         </p:txBody>
       </p:sp>
@@ -14186,6 +14281,13 @@
   <p:clrMapOvr>
     <a:masterClrMapping/>
   </p:clrMapOvr>
+  <p:timing>
+    <p:tnLst>
+      <p:par>
+        <p:cTn id="1" dur="indefinite" restart="never" nodeType="tmRoot"/>
+      </p:par>
+    </p:tnLst>
+  </p:timing>
 </p:sld>
 </file>
 
@@ -14787,6 +14889,13 @@
   <p:clrMapOvr>
     <a:masterClrMapping/>
   </p:clrMapOvr>
+  <p:timing>
+    <p:tnLst>
+      <p:par>
+        <p:cTn id="1" dur="indefinite" restart="never" nodeType="tmRoot"/>
+      </p:par>
+    </p:tnLst>
+  </p:timing>
 </p:sld>
 </file>
 
@@ -15166,6 +15275,13 @@
   <p:clrMapOvr>
     <a:masterClrMapping/>
   </p:clrMapOvr>
+  <p:timing>
+    <p:tnLst>
+      <p:par>
+        <p:cTn id="1" dur="indefinite" restart="never" nodeType="tmRoot"/>
+      </p:par>
+    </p:tnLst>
+  </p:timing>
 </p:sld>
 </file>
 
@@ -15286,6 +15402,13 @@
   <p:clrMapOvr>
     <a:masterClrMapping/>
   </p:clrMapOvr>
+  <p:timing>
+    <p:tnLst>
+      <p:par>
+        <p:cTn id="1" dur="indefinite" restart="never" nodeType="tmRoot"/>
+      </p:par>
+    </p:tnLst>
+  </p:timing>
 </p:sld>
 </file>
 
@@ -16234,6 +16357,13 @@
   <p:clrMapOvr>
     <a:masterClrMapping/>
   </p:clrMapOvr>
+  <p:timing>
+    <p:tnLst>
+      <p:par>
+        <p:cTn id="1" dur="indefinite" restart="never" nodeType="tmRoot"/>
+      </p:par>
+    </p:tnLst>
+  </p:timing>
 </p:sld>
 </file>
 
@@ -20009,12 +20139,117 @@
         </p:nvSpPr>
         <p:spPr/>
         <p:txBody>
-          <a:bodyPr/>
+          <a:bodyPr>
+            <a:normAutofit fontScale="92500" lnSpcReduction="10000"/>
+          </a:bodyPr>
           <a:lstStyle/>
           <a:p>
             <a:r>
-              <a:rPr lang="en-US" dirty="0" smtClean="0"/>
-              <a:t>Level 1 bullet style is Arial 18pt in black</a:t>
+              <a:rPr lang="en-US" i="1" dirty="0">
+                <a:solidFill>
+                  <a:schemeClr val="accent1"/>
+                </a:solidFill>
+                <a:latin typeface="Century Gothic" pitchFamily="34" charset="0"/>
+              </a:rPr>
+              <a:t>MIA</a:t>
+            </a:r>
+            <a:r>
+              <a:rPr lang="en-US" i="1" dirty="0">
+                <a:latin typeface="Century Gothic" pitchFamily="34" charset="0"/>
+              </a:rPr>
+              <a:t> is a </a:t>
+            </a:r>
+            <a:r>
+              <a:rPr lang="en-US" i="1" dirty="0">
+                <a:solidFill>
+                  <a:schemeClr val="accent1"/>
+                </a:solidFill>
+                <a:latin typeface="Century Gothic" pitchFamily="34" charset="0"/>
+              </a:rPr>
+              <a:t>search based</a:t>
+            </a:r>
+            <a:r>
+              <a:rPr lang="en-US" i="1" dirty="0">
+                <a:latin typeface="Century Gothic" pitchFamily="34" charset="0"/>
+              </a:rPr>
+              <a:t> analytical tool which uses </a:t>
+            </a:r>
+            <a:r>
+              <a:rPr lang="en-US" i="1" dirty="0">
+                <a:solidFill>
+                  <a:schemeClr val="accent1"/>
+                </a:solidFill>
+                <a:latin typeface="Century Gothic" pitchFamily="34" charset="0"/>
+              </a:rPr>
+              <a:t>simple query</a:t>
+            </a:r>
+            <a:r>
+              <a:rPr lang="en-US" i="1" dirty="0">
+                <a:latin typeface="Century Gothic" pitchFamily="34" charset="0"/>
+              </a:rPr>
+              <a:t>, written in plain English, to </a:t>
+            </a:r>
+            <a:r>
+              <a:rPr lang="en-US" i="1" dirty="0">
+                <a:solidFill>
+                  <a:schemeClr val="accent1"/>
+                </a:solidFill>
+                <a:latin typeface="Century Gothic" pitchFamily="34" charset="0"/>
+              </a:rPr>
+              <a:t>fetch relevant data</a:t>
+            </a:r>
+            <a:r>
+              <a:rPr lang="en-US" i="1" dirty="0">
+                <a:latin typeface="Century Gothic" pitchFamily="34" charset="0"/>
+              </a:rPr>
+              <a:t> from the database and </a:t>
+            </a:r>
+            <a:r>
+              <a:rPr lang="en-US" i="1" dirty="0">
+                <a:solidFill>
+                  <a:schemeClr val="accent1"/>
+                </a:solidFill>
+                <a:latin typeface="Century Gothic" pitchFamily="34" charset="0"/>
+              </a:rPr>
+              <a:t>display information</a:t>
+            </a:r>
+            <a:r>
+              <a:rPr lang="en-US" i="1" dirty="0">
+                <a:latin typeface="Century Gothic" pitchFamily="34" charset="0"/>
+              </a:rPr>
+              <a:t> in a meaningful manner for drawing insights. </a:t>
+            </a:r>
+            <a:r>
+              <a:rPr lang="en-US" i="1">
+                <a:latin typeface="Century Gothic" pitchFamily="34" charset="0"/>
+              </a:rPr>
+              <a:t>It also contains </a:t>
+            </a:r>
+            <a:r>
+              <a:rPr lang="en-US" i="1">
+                <a:solidFill>
+                  <a:schemeClr val="accent1"/>
+                </a:solidFill>
+                <a:latin typeface="Century Gothic" pitchFamily="34" charset="0"/>
+              </a:rPr>
+              <a:t>built-in templates</a:t>
+            </a:r>
+            <a:r>
+              <a:rPr lang="en-US" i="1">
+                <a:latin typeface="Century Gothic" pitchFamily="34" charset="0"/>
+              </a:rPr>
+              <a:t> for commonly used reports in different industry to expedite MIS set-up</a:t>
+            </a:r>
+            <a:endParaRPr lang="en-US" smtClean="0"/>
+          </a:p>
+          <a:p>
+            <a:r>
+              <a:rPr lang="en-US" dirty="0" smtClean="0"/>
+              <a:t>Level </a:t>
+            </a:r>
+            <a:r>
+              <a:rPr lang="en-US" dirty="0" smtClean="0"/>
+              <a:t>1 bullet style is Arial 18pt in black</a:t>
             </a:r>
           </a:p>
           <a:p>
@@ -20928,6 +21163,13 @@
   <p:clrMapOvr>
     <a:masterClrMapping/>
   </p:clrMapOvr>
+  <p:timing>
+    <p:tnLst>
+      <p:par>
+        <p:cTn id="1" dur="indefinite" restart="never" nodeType="tmRoot"/>
+      </p:par>
+    </p:tnLst>
+  </p:timing>
 </p:sld>
 </file>
 
@@ -21251,6 +21493,13 @@
   <p:clrMapOvr>
     <a:masterClrMapping/>
   </p:clrMapOvr>
+  <p:timing>
+    <p:tnLst>
+      <p:par>
+        <p:cTn id="1" dur="indefinite" restart="never" nodeType="tmRoot"/>
+      </p:par>
+    </p:tnLst>
+  </p:timing>
 </p:sld>
 </file>
 
@@ -21323,6 +21572,13 @@
   <p:clrMapOvr>
     <a:masterClrMapping/>
   </p:clrMapOvr>
+  <p:timing>
+    <p:tnLst>
+      <p:par>
+        <p:cTn id="1" dur="indefinite" restart="never" nodeType="tmRoot"/>
+      </p:par>
+    </p:tnLst>
+  </p:timing>
 </p:sld>
 </file>
 
@@ -21402,6 +21658,13 @@
   <p:clrMapOvr>
     <a:masterClrMapping/>
   </p:clrMapOvr>
+  <p:timing>
+    <p:tnLst>
+      <p:par>
+        <p:cTn id="1" dur="indefinite" restart="never" nodeType="tmRoot"/>
+      </p:par>
+    </p:tnLst>
+  </p:timing>
 </p:sld>
 </file>
 
@@ -21474,6 +21737,13 @@
   <p:clrMapOvr>
     <a:masterClrMapping/>
   </p:clrMapOvr>
+  <p:timing>
+    <p:tnLst>
+      <p:par>
+        <p:cTn id="1" dur="indefinite" restart="never" nodeType="tmRoot"/>
+      </p:par>
+    </p:tnLst>
+  </p:timing>
 </p:sld>
 </file>
 
@@ -21592,6 +21862,13 @@
   <p:clrMapOvr>
     <a:masterClrMapping/>
   </p:clrMapOvr>
+  <p:timing>
+    <p:tnLst>
+      <p:par>
+        <p:cTn id="1" dur="indefinite" restart="never" nodeType="tmRoot"/>
+      </p:par>
+    </p:tnLst>
+  </p:timing>
 </p:sld>
 </file>
 
